--- a/images/Images.pptx
+++ b/images/Images.pptx
@@ -104,6 +104,11 @@
       </a:defRPr>
     </a:lvl9pPr>
   </p:defaultTextStyle>
+  <p:extLst>
+    <p:ext uri="{EFAFB233-063F-42B5-8137-9DF3F51BA10A}">
+      <p15:sldGuideLst xmlns:p15="http://schemas.microsoft.com/office/powerpoint/2012/main"/>
+    </p:ext>
+  </p:extLst>
 </p:presentation>
 </file>
 
@@ -3457,7 +3462,7 @@
       </p:sp>
       <p:pic>
         <p:nvPicPr>
-          <p:cNvPr id="7" name="Picture 6" descr="A logo with a blue and white ribbon&#10;&#10;Description automatically generated">
+          <p:cNvPr id="7" name="Picture 6">
             <a:extLst>
               <a:ext uri="{FF2B5EF4-FFF2-40B4-BE49-F238E27FC236}">
                 <a16:creationId xmlns:a16="http://schemas.microsoft.com/office/drawing/2014/main" id="{E1290DE0-73AE-D7BA-D8AB-880144423AF5}"/>
@@ -3477,14 +3482,13 @@
               </a:ext>
             </a:extLst>
           </a:blip>
-          <a:stretch>
-            <a:fillRect/>
-          </a:stretch>
+          <a:srcRect/>
+          <a:stretch/>
         </p:blipFill>
         <p:spPr>
           <a:xfrm>
-            <a:off x="6421035" y="864108"/>
-            <a:ext cx="5129784" cy="5129784"/>
+            <a:off x="6421035" y="2086707"/>
+            <a:ext cx="5129784" cy="2684586"/>
           </a:xfrm>
           <a:prstGeom prst="rect">
             <a:avLst/>
